--- a/pinImages/아이콘제작.pptx
+++ b/pinImages/아이콘제작.pptx
@@ -912,7 +912,7 @@
           <a:p>
             <a:fld id="{EA482765-8394-4C8A-A496-2D161E08566D}" type="datetimeFigureOut">
               <a:rPr lang="ko-KR" altLang="en-US" smtClean="0"/>
-              <a:t>2024-09-05</a:t>
+              <a:t>2025-08-13</a:t>
             </a:fld>
             <a:endParaRPr lang="ko-KR" altLang="en-US"/>
           </a:p>
@@ -1110,7 +1110,7 @@
           <a:p>
             <a:fld id="{EA482765-8394-4C8A-A496-2D161E08566D}" type="datetimeFigureOut">
               <a:rPr lang="ko-KR" altLang="en-US" smtClean="0"/>
-              <a:t>2024-09-05</a:t>
+              <a:t>2025-08-13</a:t>
             </a:fld>
             <a:endParaRPr lang="ko-KR" altLang="en-US"/>
           </a:p>
@@ -1318,7 +1318,7 @@
           <a:p>
             <a:fld id="{EA482765-8394-4C8A-A496-2D161E08566D}" type="datetimeFigureOut">
               <a:rPr lang="ko-KR" altLang="en-US" smtClean="0"/>
-              <a:t>2024-09-05</a:t>
+              <a:t>2025-08-13</a:t>
             </a:fld>
             <a:endParaRPr lang="ko-KR" altLang="en-US"/>
           </a:p>
@@ -1516,7 +1516,7 @@
           <a:p>
             <a:fld id="{EA482765-8394-4C8A-A496-2D161E08566D}" type="datetimeFigureOut">
               <a:rPr lang="ko-KR" altLang="en-US" smtClean="0"/>
-              <a:t>2024-09-05</a:t>
+              <a:t>2025-08-13</a:t>
             </a:fld>
             <a:endParaRPr lang="ko-KR" altLang="en-US"/>
           </a:p>
@@ -1791,7 +1791,7 @@
           <a:p>
             <a:fld id="{EA482765-8394-4C8A-A496-2D161E08566D}" type="datetimeFigureOut">
               <a:rPr lang="ko-KR" altLang="en-US" smtClean="0"/>
-              <a:t>2024-09-05</a:t>
+              <a:t>2025-08-13</a:t>
             </a:fld>
             <a:endParaRPr lang="ko-KR" altLang="en-US"/>
           </a:p>
@@ -2056,7 +2056,7 @@
           <a:p>
             <a:fld id="{EA482765-8394-4C8A-A496-2D161E08566D}" type="datetimeFigureOut">
               <a:rPr lang="ko-KR" altLang="en-US" smtClean="0"/>
-              <a:t>2024-09-05</a:t>
+              <a:t>2025-08-13</a:t>
             </a:fld>
             <a:endParaRPr lang="ko-KR" altLang="en-US"/>
           </a:p>
@@ -2468,7 +2468,7 @@
           <a:p>
             <a:fld id="{EA482765-8394-4C8A-A496-2D161E08566D}" type="datetimeFigureOut">
               <a:rPr lang="ko-KR" altLang="en-US" smtClean="0"/>
-              <a:t>2024-09-05</a:t>
+              <a:t>2025-08-13</a:t>
             </a:fld>
             <a:endParaRPr lang="ko-KR" altLang="en-US"/>
           </a:p>
@@ -2609,7 +2609,7 @@
           <a:p>
             <a:fld id="{EA482765-8394-4C8A-A496-2D161E08566D}" type="datetimeFigureOut">
               <a:rPr lang="ko-KR" altLang="en-US" smtClean="0"/>
-              <a:t>2024-09-05</a:t>
+              <a:t>2025-08-13</a:t>
             </a:fld>
             <a:endParaRPr lang="ko-KR" altLang="en-US"/>
           </a:p>
@@ -2722,7 +2722,7 @@
           <a:p>
             <a:fld id="{EA482765-8394-4C8A-A496-2D161E08566D}" type="datetimeFigureOut">
               <a:rPr lang="ko-KR" altLang="en-US" smtClean="0"/>
-              <a:t>2024-09-05</a:t>
+              <a:t>2025-08-13</a:t>
             </a:fld>
             <a:endParaRPr lang="ko-KR" altLang="en-US"/>
           </a:p>
@@ -3033,7 +3033,7 @@
           <a:p>
             <a:fld id="{EA482765-8394-4C8A-A496-2D161E08566D}" type="datetimeFigureOut">
               <a:rPr lang="ko-KR" altLang="en-US" smtClean="0"/>
-              <a:t>2024-09-05</a:t>
+              <a:t>2025-08-13</a:t>
             </a:fld>
             <a:endParaRPr lang="ko-KR" altLang="en-US"/>
           </a:p>
@@ -3321,7 +3321,7 @@
           <a:p>
             <a:fld id="{EA482765-8394-4C8A-A496-2D161E08566D}" type="datetimeFigureOut">
               <a:rPr lang="ko-KR" altLang="en-US" smtClean="0"/>
-              <a:t>2024-09-05</a:t>
+              <a:t>2025-08-13</a:t>
             </a:fld>
             <a:endParaRPr lang="ko-KR" altLang="en-US"/>
           </a:p>
@@ -3562,7 +3562,7 @@
           <a:p>
             <a:fld id="{EA482765-8394-4C8A-A496-2D161E08566D}" type="datetimeFigureOut">
               <a:rPr lang="ko-KR" altLang="en-US" smtClean="0"/>
-              <a:t>2024-09-05</a:t>
+              <a:t>2025-08-13</a:t>
             </a:fld>
             <a:endParaRPr lang="ko-KR" altLang="en-US"/>
           </a:p>
@@ -6806,6 +6806,235 @@
           </a:p>
         </p:txBody>
       </p:sp>
+      <p:grpSp>
+        <p:nvGrpSpPr>
+          <p:cNvPr id="75" name="그룹 74">
+            <a:extLst>
+              <a:ext uri="{FF2B5EF4-FFF2-40B4-BE49-F238E27FC236}">
+                <a16:creationId xmlns:a16="http://schemas.microsoft.com/office/drawing/2014/main" id="{150E6736-B646-9E90-E38E-216D10D51FE2}"/>
+              </a:ext>
+            </a:extLst>
+          </p:cNvPr>
+          <p:cNvGrpSpPr/>
+          <p:nvPr/>
+        </p:nvGrpSpPr>
+        <p:grpSpPr>
+          <a:xfrm>
+            <a:off x="3042729" y="4502077"/>
+            <a:ext cx="900000" cy="900000"/>
+            <a:chOff x="3042729" y="4502077"/>
+            <a:chExt cx="900000" cy="900000"/>
+          </a:xfrm>
+        </p:grpSpPr>
+        <p:sp>
+          <p:nvSpPr>
+            <p:cNvPr id="74" name="타원 73">
+              <a:extLst>
+                <a:ext uri="{FF2B5EF4-FFF2-40B4-BE49-F238E27FC236}">
+                  <a16:creationId xmlns:a16="http://schemas.microsoft.com/office/drawing/2014/main" id="{1AF6EA65-DD76-7863-AE74-A01A4DF39744}"/>
+                </a:ext>
+              </a:extLst>
+            </p:cNvPr>
+            <p:cNvSpPr/>
+            <p:nvPr/>
+          </p:nvSpPr>
+          <p:spPr>
+            <a:xfrm>
+              <a:off x="3042729" y="4502077"/>
+              <a:ext cx="900000" cy="900000"/>
+            </a:xfrm>
+            <a:prstGeom prst="ellipse">
+              <a:avLst/>
+            </a:prstGeom>
+            <a:solidFill>
+              <a:schemeClr val="bg1"/>
+            </a:solidFill>
+            <a:ln w="76200">
+              <a:solidFill>
+                <a:schemeClr val="tx1">
+                  <a:lumMod val="95000"/>
+                  <a:lumOff val="5000"/>
+                </a:schemeClr>
+              </a:solidFill>
+            </a:ln>
+          </p:spPr>
+          <p:style>
+            <a:lnRef idx="2">
+              <a:schemeClr val="accent1">
+                <a:shade val="15000"/>
+              </a:schemeClr>
+            </a:lnRef>
+            <a:fillRef idx="1">
+              <a:schemeClr val="accent1"/>
+            </a:fillRef>
+            <a:effectRef idx="0">
+              <a:schemeClr val="accent1"/>
+            </a:effectRef>
+            <a:fontRef idx="minor">
+              <a:schemeClr val="lt1"/>
+            </a:fontRef>
+          </p:style>
+          <p:txBody>
+            <a:bodyPr rtlCol="0" anchor="ctr"/>
+            <a:lstStyle/>
+            <a:p>
+              <a:pPr algn="ctr"/>
+              <a:endParaRPr lang="ko-KR" altLang="en-US" sz="5400" b="1" dirty="0">
+                <a:solidFill>
+                  <a:srgbClr val="1B91BF"/>
+                </a:solidFill>
+              </a:endParaRPr>
+            </a:p>
+          </p:txBody>
+        </p:sp>
+        <p:pic>
+          <p:nvPicPr>
+            <p:cNvPr id="70" name="그림 69" descr="원, 다채로움, 그래픽이(가) 표시된 사진&#10;&#10;AI 생성 콘텐츠는 정확하지 않을 수 있습니다.">
+              <a:extLst>
+                <a:ext uri="{FF2B5EF4-FFF2-40B4-BE49-F238E27FC236}">
+                  <a16:creationId xmlns:a16="http://schemas.microsoft.com/office/drawing/2014/main" id="{7494ECDD-162F-5CF3-C997-85025C756579}"/>
+                </a:ext>
+              </a:extLst>
+            </p:cNvPr>
+            <p:cNvPicPr>
+              <a:picLocks noChangeAspect="1"/>
+            </p:cNvPicPr>
+            <p:nvPr/>
+          </p:nvPicPr>
+          <p:blipFill>
+            <a:blip r:embed="rId36">
+              <a:extLst>
+                <a:ext uri="{28A0092B-C50C-407E-A947-70E740481C1C}">
+                  <a14:useLocalDpi xmlns:a14="http://schemas.microsoft.com/office/drawing/2010/main" val="0"/>
+                </a:ext>
+              </a:extLst>
+            </a:blip>
+            <a:stretch>
+              <a:fillRect/>
+            </a:stretch>
+          </p:blipFill>
+          <p:spPr>
+            <a:xfrm>
+              <a:off x="3118464" y="4577812"/>
+              <a:ext cx="748529" cy="748529"/>
+            </a:xfrm>
+            <a:prstGeom prst="rect">
+              <a:avLst/>
+            </a:prstGeom>
+          </p:spPr>
+        </p:pic>
+      </p:grpSp>
+      <p:grpSp>
+        <p:nvGrpSpPr>
+          <p:cNvPr id="81" name="그룹 80">
+            <a:extLst>
+              <a:ext uri="{FF2B5EF4-FFF2-40B4-BE49-F238E27FC236}">
+                <a16:creationId xmlns:a16="http://schemas.microsoft.com/office/drawing/2014/main" id="{54B369D3-EC3C-8846-E53D-0D5DD5814FB1}"/>
+              </a:ext>
+            </a:extLst>
+          </p:cNvPr>
+          <p:cNvGrpSpPr/>
+          <p:nvPr/>
+        </p:nvGrpSpPr>
+        <p:grpSpPr>
+          <a:xfrm>
+            <a:off x="7470177" y="4486018"/>
+            <a:ext cx="900000" cy="900000"/>
+            <a:chOff x="8895919" y="4428805"/>
+            <a:chExt cx="900000" cy="900000"/>
+          </a:xfrm>
+        </p:grpSpPr>
+        <p:sp>
+          <p:nvSpPr>
+            <p:cNvPr id="77" name="타원 76">
+              <a:extLst>
+                <a:ext uri="{FF2B5EF4-FFF2-40B4-BE49-F238E27FC236}">
+                  <a16:creationId xmlns:a16="http://schemas.microsoft.com/office/drawing/2014/main" id="{393141DB-AD69-18AB-736C-1C04688898B1}"/>
+                </a:ext>
+              </a:extLst>
+            </p:cNvPr>
+            <p:cNvSpPr/>
+            <p:nvPr/>
+          </p:nvSpPr>
+          <p:spPr>
+            <a:xfrm>
+              <a:off x="8895919" y="4428805"/>
+              <a:ext cx="900000" cy="900000"/>
+            </a:xfrm>
+            <a:prstGeom prst="ellipse">
+              <a:avLst/>
+            </a:prstGeom>
+            <a:solidFill>
+              <a:srgbClr val="DA8D39"/>
+            </a:solidFill>
+            <a:ln w="57150">
+              <a:solidFill>
+                <a:schemeClr val="tx1"/>
+              </a:solidFill>
+            </a:ln>
+          </p:spPr>
+          <p:style>
+            <a:lnRef idx="2">
+              <a:schemeClr val="accent1">
+                <a:shade val="15000"/>
+              </a:schemeClr>
+            </a:lnRef>
+            <a:fillRef idx="1">
+              <a:schemeClr val="accent1"/>
+            </a:fillRef>
+            <a:effectRef idx="0">
+              <a:schemeClr val="accent1"/>
+            </a:effectRef>
+            <a:fontRef idx="minor">
+              <a:schemeClr val="lt1"/>
+            </a:fontRef>
+          </p:style>
+          <p:txBody>
+            <a:bodyPr rtlCol="0" anchor="ctr"/>
+            <a:lstStyle/>
+            <a:p>
+              <a:pPr algn="ctr"/>
+              <a:endParaRPr lang="ko-KR" altLang="en-US" dirty="0"/>
+            </a:p>
+          </p:txBody>
+        </p:sp>
+        <p:pic>
+          <p:nvPicPr>
+            <p:cNvPr id="80" name="그래픽 79">
+              <a:extLst>
+                <a:ext uri="{FF2B5EF4-FFF2-40B4-BE49-F238E27FC236}">
+                  <a16:creationId xmlns:a16="http://schemas.microsoft.com/office/drawing/2014/main" id="{C3919B08-0F56-202A-FC7C-1CEF44193846}"/>
+                </a:ext>
+              </a:extLst>
+            </p:cNvPr>
+            <p:cNvPicPr>
+              <a:picLocks noChangeAspect="1"/>
+            </p:cNvPicPr>
+            <p:nvPr/>
+          </p:nvPicPr>
+          <p:blipFill>
+            <a:blip r:embed="rId37">
+              <a:extLst>
+                <a:ext uri="{96DAC541-7B7A-43D3-8B79-37D633B846F1}">
+                  <asvg:svgBlip xmlns:asvg="http://schemas.microsoft.com/office/drawing/2016/SVG/main" r:embed="rId38"/>
+                </a:ext>
+              </a:extLst>
+            </a:blip>
+            <a:stretch>
+              <a:fillRect/>
+            </a:stretch>
+          </p:blipFill>
+          <p:spPr>
+            <a:xfrm>
+              <a:off x="9107794" y="4640680"/>
+              <a:ext cx="476250" cy="476250"/>
+            </a:xfrm>
+            <a:prstGeom prst="rect">
+              <a:avLst/>
+            </a:prstGeom>
+          </p:spPr>
+        </p:pic>
+      </p:grpSp>
     </p:spTree>
     <p:extLst>
       <p:ext uri="{BB962C8B-B14F-4D97-AF65-F5344CB8AC3E}">
